--- a/Syllabus/Lecture17/Lec17ANN.pptx
+++ b/Syllabus/Lecture17/Lec17ANN.pptx
@@ -20696,12 +20696,8 @@
               <a:buChar char="•"/>
             </a:pPr>
             <a:r>
-              <a:rPr lang="en-US"/>
-              <a:t>In </a:t>
-            </a:r>
-            <a:r>
               <a:rPr lang="en-US" dirty="0"/>
-              <a:t>ANN - apply small isolated shocks to each beta coefficient</a:t>
+              <a:t>In ANN - apply small isolated shocks to each beta coefficient</a:t>
             </a:r>
           </a:p>
           <a:p>
@@ -23436,7 +23432,15 @@
           <a:p>
             <a:r>
               <a:rPr lang="en-US" sz="2000" dirty="0"/>
-              <a:t>3. scale the data if it’s on a very different scales</a:t>
+              <a:t>3. scale the data if it’s </a:t>
+            </a:r>
+            <a:r>
+              <a:rPr lang="en-US" sz="2000"/>
+              <a:t>on very </a:t>
+            </a:r>
+            <a:r>
+              <a:rPr lang="en-US" sz="2000" dirty="0"/>
+              <a:t>different scales</a:t>
             </a:r>
           </a:p>
           <a:p>

--- a/Syllabus/Lecture17/Lec17ANN.pptx
+++ b/Syllabus/Lecture17/Lec17ANN.pptx
@@ -5,10 +5,10 @@
     <p:sldMasterId id="2147483664" r:id="rId1"/>
   </p:sldMasterIdLst>
   <p:notesMasterIdLst>
-    <p:notesMasterId r:id="rId56"/>
+    <p:notesMasterId r:id="rId54"/>
   </p:notesMasterIdLst>
   <p:handoutMasterIdLst>
-    <p:handoutMasterId r:id="rId57"/>
+    <p:handoutMasterId r:id="rId55"/>
   </p:handoutMasterIdLst>
   <p:sldIdLst>
     <p:sldId id="266" r:id="rId2"/>
@@ -61,10 +61,8 @@
     <p:sldId id="445" r:id="rId49"/>
     <p:sldId id="1189" r:id="rId50"/>
     <p:sldId id="1190" r:id="rId51"/>
-    <p:sldId id="1191" r:id="rId52"/>
-    <p:sldId id="416" r:id="rId53"/>
-    <p:sldId id="410" r:id="rId54"/>
-    <p:sldId id="290" r:id="rId55"/>
+    <p:sldId id="416" r:id="rId52"/>
+    <p:sldId id="410" r:id="rId53"/>
   </p:sldIdLst>
   <p:sldSz cx="12192000" cy="6858000"/>
   <p:notesSz cx="6858000" cy="9144000"/>
@@ -218,10 +216,8 @@
             <p14:sldId id="445"/>
             <p14:sldId id="1189"/>
             <p14:sldId id="1190"/>
-            <p14:sldId id="1191"/>
             <p14:sldId id="416"/>
             <p14:sldId id="410"/>
-            <p14:sldId id="290"/>
           </p14:sldIdLst>
         </p14:section>
       </p14:sectionLst>
@@ -5816,7 +5812,7 @@
     </p:spTree>
     <p:extLst>
       <p:ext uri="{BB962C8B-B14F-4D97-AF65-F5344CB8AC3E}">
-        <p14:creationId xmlns:p14="http://schemas.microsoft.com/office/powerpoint/2010/main" val="1367315072"/>
+        <p14:creationId xmlns:p14="http://schemas.microsoft.com/office/powerpoint/2010/main" val="2773646916"/>
       </p:ext>
     </p:extLst>
   </p:cSld>
@@ -5827,115 +5823,6 @@
 </file>
 
 <file path=ppt/notesSlides/notesSlide51.xml><?xml version="1.0" encoding="utf-8"?>
-<p:notes xmlns:a="http://schemas.openxmlformats.org/drawingml/2006/main" xmlns:r="http://schemas.openxmlformats.org/officeDocument/2006/relationships" xmlns:p="http://schemas.openxmlformats.org/presentationml/2006/main" showMasterSp="0" showMasterPhAnim="0">
-  <p:cSld>
-    <p:spTree>
-      <p:nvGrpSpPr>
-        <p:cNvPr id="1" name="Shape 91"/>
-        <p:cNvGrpSpPr/>
-        <p:nvPr/>
-      </p:nvGrpSpPr>
-      <p:grpSpPr>
-        <a:xfrm>
-          <a:off x="0" y="0"/>
-          <a:ext cx="0" cy="0"/>
-          <a:chOff x="0" y="0"/>
-          <a:chExt cx="0" cy="0"/>
-        </a:xfrm>
-      </p:grpSpPr>
-      <p:sp>
-        <p:nvSpPr>
-          <p:cNvPr id="92" name="Google Shape;92;g921be16503_9_0:notes"/>
-          <p:cNvSpPr>
-            <a:spLocks noGrp="1" noRot="1" noChangeAspect="1"/>
-          </p:cNvSpPr>
-          <p:nvPr>
-            <p:ph type="sldImg" idx="2"/>
-          </p:nvPr>
-        </p:nvSpPr>
-        <p:spPr>
-          <a:xfrm>
-            <a:off x="381000" y="685800"/>
-            <a:ext cx="6096000" cy="3429000"/>
-          </a:xfrm>
-          <a:custGeom>
-            <a:avLst/>
-            <a:gdLst/>
-            <a:ahLst/>
-            <a:cxnLst/>
-            <a:rect l="l" t="t" r="r" b="b"/>
-            <a:pathLst>
-              <a:path w="120000" h="120000" extrusionOk="0">
-                <a:moveTo>
-                  <a:pt x="0" y="0"/>
-                </a:moveTo>
-                <a:lnTo>
-                  <a:pt x="120000" y="0"/>
-                </a:lnTo>
-                <a:lnTo>
-                  <a:pt x="120000" y="120000"/>
-                </a:lnTo>
-                <a:lnTo>
-                  <a:pt x="0" y="120000"/>
-                </a:lnTo>
-                <a:close/>
-              </a:path>
-            </a:pathLst>
-          </a:custGeom>
-        </p:spPr>
-      </p:sp>
-      <p:sp>
-        <p:nvSpPr>
-          <p:cNvPr id="93" name="Google Shape;93;g921be16503_9_0:notes"/>
-          <p:cNvSpPr txBox="1">
-            <a:spLocks noGrp="1"/>
-          </p:cNvSpPr>
-          <p:nvPr>
-            <p:ph type="body" idx="1"/>
-          </p:nvPr>
-        </p:nvSpPr>
-        <p:spPr>
-          <a:xfrm>
-            <a:off x="685800" y="4343400"/>
-            <a:ext cx="5486400" cy="4114800"/>
-          </a:xfrm>
-          <a:prstGeom prst="rect">
-            <a:avLst/>
-          </a:prstGeom>
-        </p:spPr>
-        <p:txBody>
-          <a:bodyPr spcFirstLastPara="1" wrap="square" lIns="91425" tIns="91425" rIns="91425" bIns="91425" anchor="t" anchorCtr="0">
-            <a:noAutofit/>
-          </a:bodyPr>
-          <a:lstStyle/>
-          <a:p>
-            <a:pPr marL="0" lvl="0" indent="0" algn="l" rtl="0">
-              <a:spcBef>
-                <a:spcPts val="0"/>
-              </a:spcBef>
-              <a:spcAft>
-                <a:spcPts val="0"/>
-              </a:spcAft>
-              <a:buNone/>
-            </a:pPr>
-            <a:endParaRPr lang="en-US" dirty="0"/>
-          </a:p>
-        </p:txBody>
-      </p:sp>
-    </p:spTree>
-    <p:extLst>
-      <p:ext uri="{BB962C8B-B14F-4D97-AF65-F5344CB8AC3E}">
-        <p14:creationId xmlns:p14="http://schemas.microsoft.com/office/powerpoint/2010/main" val="2773646916"/>
-      </p:ext>
-    </p:extLst>
-  </p:cSld>
-  <p:clrMapOvr>
-    <a:masterClrMapping/>
-  </p:clrMapOvr>
-</p:notes>
-</file>
-
-<file path=ppt/notesSlides/notesSlide52.xml><?xml version="1.0" encoding="utf-8"?>
 <p:notes xmlns:a="http://schemas.openxmlformats.org/drawingml/2006/main" xmlns:r="http://schemas.openxmlformats.org/officeDocument/2006/relationships" xmlns:p="http://schemas.openxmlformats.org/presentationml/2006/main" showMasterSp="0" showMasterPhAnim="0">
   <p:cSld>
     <p:spTree>
@@ -8778,1057 +8665,6 @@
 </p:sldLayout>
 </file>
 
-<file path=ppt/slideLayouts/slideLayout9.xml><?xml version="1.0" encoding="utf-8"?>
-<p:sldLayout xmlns:a="http://schemas.openxmlformats.org/drawingml/2006/main" xmlns:r="http://schemas.openxmlformats.org/officeDocument/2006/relationships" xmlns:p="http://schemas.openxmlformats.org/presentationml/2006/main" matchingName="Title and Content 1" type="obj">
-  <p:cSld name="Title and Content 1">
-    <p:spTree>
-      <p:nvGrpSpPr>
-        <p:cNvPr id="1" name="Shape 69"/>
-        <p:cNvGrpSpPr/>
-        <p:nvPr/>
-      </p:nvGrpSpPr>
-      <p:grpSpPr>
-        <a:xfrm>
-          <a:off x="0" y="0"/>
-          <a:ext cx="0" cy="0"/>
-          <a:chOff x="0" y="0"/>
-          <a:chExt cx="0" cy="0"/>
-        </a:xfrm>
-      </p:grpSpPr>
-      <p:sp>
-        <p:nvSpPr>
-          <p:cNvPr id="70" name="Google Shape;70;p10"/>
-          <p:cNvSpPr txBox="1">
-            <a:spLocks noGrp="1"/>
-          </p:cNvSpPr>
-          <p:nvPr>
-            <p:ph type="title"/>
-          </p:nvPr>
-        </p:nvSpPr>
-        <p:spPr>
-          <a:xfrm>
-            <a:off x="609600" y="900113"/>
-            <a:ext cx="10972800" cy="1068400"/>
-          </a:xfrm>
-          <a:prstGeom prst="rect">
-            <a:avLst/>
-          </a:prstGeom>
-          <a:noFill/>
-          <a:ln>
-            <a:noFill/>
-          </a:ln>
-        </p:spPr>
-        <p:txBody>
-          <a:bodyPr spcFirstLastPara="1" wrap="square" lIns="91425" tIns="91425" rIns="91425" bIns="91425" anchor="ctr" anchorCtr="0">
-            <a:noAutofit/>
-          </a:bodyPr>
-          <a:lstStyle>
-            <a:lvl1pPr marL="0" marR="0" lvl="0" indent="0" algn="l" rtl="0">
-              <a:spcBef>
-                <a:spcPts val="0"/>
-              </a:spcBef>
-              <a:spcAft>
-                <a:spcPts val="0"/>
-              </a:spcAft>
-              <a:buSzPts val="1400"/>
-              <a:buNone/>
-              <a:defRPr sz="4267" b="1" i="0" u="none" strike="noStrike" cap="none">
-                <a:solidFill>
-                  <a:schemeClr val="dk1"/>
-                </a:solidFill>
-                <a:latin typeface="Arial"/>
-                <a:ea typeface="Arial"/>
-                <a:cs typeface="Arial"/>
-                <a:sym typeface="Arial"/>
-              </a:defRPr>
-            </a:lvl1pPr>
-            <a:lvl2pPr marL="0" marR="0" lvl="1" indent="0" algn="ctr" rtl="0">
-              <a:spcBef>
-                <a:spcPts val="0"/>
-              </a:spcBef>
-              <a:spcAft>
-                <a:spcPts val="0"/>
-              </a:spcAft>
-              <a:buSzPts val="1400"/>
-              <a:buNone/>
-              <a:defRPr sz="4267" b="1" i="0" u="none" strike="noStrike" cap="none">
-                <a:solidFill>
-                  <a:schemeClr val="dk1"/>
-                </a:solidFill>
-                <a:latin typeface="Arial"/>
-                <a:ea typeface="Arial"/>
-                <a:cs typeface="Arial"/>
-                <a:sym typeface="Arial"/>
-              </a:defRPr>
-            </a:lvl2pPr>
-            <a:lvl3pPr marL="0" marR="0" lvl="2" indent="0" algn="ctr" rtl="0">
-              <a:spcBef>
-                <a:spcPts val="0"/>
-              </a:spcBef>
-              <a:spcAft>
-                <a:spcPts val="0"/>
-              </a:spcAft>
-              <a:buSzPts val="1400"/>
-              <a:buNone/>
-              <a:defRPr sz="4267" b="1" i="0" u="none" strike="noStrike" cap="none">
-                <a:solidFill>
-                  <a:schemeClr val="dk1"/>
-                </a:solidFill>
-                <a:latin typeface="Arial"/>
-                <a:ea typeface="Arial"/>
-                <a:cs typeface="Arial"/>
-                <a:sym typeface="Arial"/>
-              </a:defRPr>
-            </a:lvl3pPr>
-            <a:lvl4pPr marL="0" marR="0" lvl="3" indent="0" algn="ctr" rtl="0">
-              <a:spcBef>
-                <a:spcPts val="0"/>
-              </a:spcBef>
-              <a:spcAft>
-                <a:spcPts val="0"/>
-              </a:spcAft>
-              <a:buSzPts val="1400"/>
-              <a:buNone/>
-              <a:defRPr sz="4267" b="1" i="0" u="none" strike="noStrike" cap="none">
-                <a:solidFill>
-                  <a:schemeClr val="dk1"/>
-                </a:solidFill>
-                <a:latin typeface="Arial"/>
-                <a:ea typeface="Arial"/>
-                <a:cs typeface="Arial"/>
-                <a:sym typeface="Arial"/>
-              </a:defRPr>
-            </a:lvl4pPr>
-            <a:lvl5pPr marL="0" marR="0" lvl="4" indent="0" algn="ctr" rtl="0">
-              <a:spcBef>
-                <a:spcPts val="0"/>
-              </a:spcBef>
-              <a:spcAft>
-                <a:spcPts val="0"/>
-              </a:spcAft>
-              <a:buSzPts val="1400"/>
-              <a:buNone/>
-              <a:defRPr sz="4267" b="1" i="0" u="none" strike="noStrike" cap="none">
-                <a:solidFill>
-                  <a:schemeClr val="dk1"/>
-                </a:solidFill>
-                <a:latin typeface="Arial"/>
-                <a:ea typeface="Arial"/>
-                <a:cs typeface="Arial"/>
-                <a:sym typeface="Arial"/>
-              </a:defRPr>
-            </a:lvl5pPr>
-            <a:lvl6pPr marL="609585" marR="0" lvl="5" indent="0" algn="ctr" rtl="0">
-              <a:spcBef>
-                <a:spcPts val="0"/>
-              </a:spcBef>
-              <a:spcAft>
-                <a:spcPts val="0"/>
-              </a:spcAft>
-              <a:buSzPts val="1400"/>
-              <a:buNone/>
-              <a:defRPr sz="4267" b="1" i="0" u="none" strike="noStrike" cap="none">
-                <a:solidFill>
-                  <a:schemeClr val="dk1"/>
-                </a:solidFill>
-                <a:latin typeface="Arial"/>
-                <a:ea typeface="Arial"/>
-                <a:cs typeface="Arial"/>
-                <a:sym typeface="Arial"/>
-              </a:defRPr>
-            </a:lvl6pPr>
-            <a:lvl7pPr marL="1219170" marR="0" lvl="6" indent="0" algn="ctr" rtl="0">
-              <a:spcBef>
-                <a:spcPts val="0"/>
-              </a:spcBef>
-              <a:spcAft>
-                <a:spcPts val="0"/>
-              </a:spcAft>
-              <a:buSzPts val="1400"/>
-              <a:buNone/>
-              <a:defRPr sz="4267" b="1" i="0" u="none" strike="noStrike" cap="none">
-                <a:solidFill>
-                  <a:schemeClr val="dk1"/>
-                </a:solidFill>
-                <a:latin typeface="Arial"/>
-                <a:ea typeface="Arial"/>
-                <a:cs typeface="Arial"/>
-                <a:sym typeface="Arial"/>
-              </a:defRPr>
-            </a:lvl7pPr>
-            <a:lvl8pPr marL="1828754" marR="0" lvl="7" indent="0" algn="ctr" rtl="0">
-              <a:spcBef>
-                <a:spcPts val="0"/>
-              </a:spcBef>
-              <a:spcAft>
-                <a:spcPts val="0"/>
-              </a:spcAft>
-              <a:buSzPts val="1400"/>
-              <a:buNone/>
-              <a:defRPr sz="4267" b="1" i="0" u="none" strike="noStrike" cap="none">
-                <a:solidFill>
-                  <a:schemeClr val="dk1"/>
-                </a:solidFill>
-                <a:latin typeface="Arial"/>
-                <a:ea typeface="Arial"/>
-                <a:cs typeface="Arial"/>
-                <a:sym typeface="Arial"/>
-              </a:defRPr>
-            </a:lvl8pPr>
-            <a:lvl9pPr marL="2438339" marR="0" lvl="8" indent="0" algn="ctr" rtl="0">
-              <a:spcBef>
-                <a:spcPts val="0"/>
-              </a:spcBef>
-              <a:spcAft>
-                <a:spcPts val="0"/>
-              </a:spcAft>
-              <a:buSzPts val="1400"/>
-              <a:buNone/>
-              <a:defRPr sz="4267" b="1" i="0" u="none" strike="noStrike" cap="none">
-                <a:solidFill>
-                  <a:schemeClr val="dk1"/>
-                </a:solidFill>
-                <a:latin typeface="Arial"/>
-                <a:ea typeface="Arial"/>
-                <a:cs typeface="Arial"/>
-                <a:sym typeface="Arial"/>
-              </a:defRPr>
-            </a:lvl9pPr>
-          </a:lstStyle>
-          <a:p>
-            <a:endParaRPr/>
-          </a:p>
-        </p:txBody>
-      </p:sp>
-      <p:sp>
-        <p:nvSpPr>
-          <p:cNvPr id="71" name="Google Shape;71;p10"/>
-          <p:cNvSpPr txBox="1">
-            <a:spLocks noGrp="1"/>
-          </p:cNvSpPr>
-          <p:nvPr>
-            <p:ph type="body" idx="1"/>
-          </p:nvPr>
-        </p:nvSpPr>
-        <p:spPr>
-          <a:xfrm>
-            <a:off x="697867" y="2030300"/>
-            <a:ext cx="10972800" cy="3103600"/>
-          </a:xfrm>
-          <a:prstGeom prst="rect">
-            <a:avLst/>
-          </a:prstGeom>
-          <a:noFill/>
-          <a:ln>
-            <a:noFill/>
-          </a:ln>
-        </p:spPr>
-        <p:txBody>
-          <a:bodyPr spcFirstLastPara="1" wrap="square" lIns="91425" tIns="91425" rIns="91425" bIns="91425" anchor="t" anchorCtr="0">
-            <a:noAutofit/>
-          </a:bodyPr>
-          <a:lstStyle>
-            <a:lvl1pPr marL="609585" marR="0" lvl="0" indent="-507987" algn="l" rtl="0">
-              <a:spcBef>
-                <a:spcPts val="640"/>
-              </a:spcBef>
-              <a:spcAft>
-                <a:spcPts val="0"/>
-              </a:spcAft>
-              <a:buClr>
-                <a:schemeClr val="dk1"/>
-              </a:buClr>
-              <a:buSzPts val="2400"/>
-              <a:buFont typeface="Arial"/>
-              <a:buChar char="•"/>
-              <a:defRPr sz="3200" b="0" i="0" u="none" strike="noStrike" cap="none">
-                <a:solidFill>
-                  <a:schemeClr val="dk1"/>
-                </a:solidFill>
-                <a:latin typeface="Arial"/>
-                <a:ea typeface="Arial"/>
-                <a:cs typeface="Arial"/>
-                <a:sym typeface="Arial"/>
-              </a:defRPr>
-            </a:lvl1pPr>
-            <a:lvl2pPr marL="1219170" marR="0" lvl="1" indent="-507987" algn="l" rtl="0">
-              <a:spcBef>
-                <a:spcPts val="640"/>
-              </a:spcBef>
-              <a:spcAft>
-                <a:spcPts val="0"/>
-              </a:spcAft>
-              <a:buClr>
-                <a:schemeClr val="dk1"/>
-              </a:buClr>
-              <a:buSzPts val="2400"/>
-              <a:buFont typeface="Arial"/>
-              <a:buChar char="–"/>
-              <a:defRPr sz="3200" b="0" i="0" u="none" strike="noStrike" cap="none">
-                <a:solidFill>
-                  <a:schemeClr val="dk1"/>
-                </a:solidFill>
-                <a:latin typeface="Arial"/>
-                <a:ea typeface="Arial"/>
-                <a:cs typeface="Arial"/>
-                <a:sym typeface="Arial"/>
-              </a:defRPr>
-            </a:lvl2pPr>
-            <a:lvl3pPr marL="1828754" marR="0" lvl="2" indent="-457189" algn="l" rtl="0">
-              <a:spcBef>
-                <a:spcPts val="480"/>
-              </a:spcBef>
-              <a:spcAft>
-                <a:spcPts val="0"/>
-              </a:spcAft>
-              <a:buClr>
-                <a:schemeClr val="dk1"/>
-              </a:buClr>
-              <a:buSzPts val="1800"/>
-              <a:buFont typeface="Arial"/>
-              <a:buChar char="•"/>
-              <a:defRPr sz="2400" b="0" i="0" u="none" strike="noStrike" cap="none">
-                <a:solidFill>
-                  <a:schemeClr val="dk1"/>
-                </a:solidFill>
-                <a:latin typeface="Arial"/>
-                <a:ea typeface="Arial"/>
-                <a:cs typeface="Arial"/>
-                <a:sym typeface="Arial"/>
-              </a:defRPr>
-            </a:lvl3pPr>
-            <a:lvl4pPr marL="2438339" marR="0" lvl="3" indent="-423323" algn="l" rtl="0">
-              <a:spcBef>
-                <a:spcPts val="373"/>
-              </a:spcBef>
-              <a:spcAft>
-                <a:spcPts val="0"/>
-              </a:spcAft>
-              <a:buClr>
-                <a:schemeClr val="dk1"/>
-              </a:buClr>
-              <a:buSzPts val="1400"/>
-              <a:buFont typeface="Arial"/>
-              <a:buChar char="–"/>
-              <a:defRPr sz="1867" b="0" i="0" u="none" strike="noStrike" cap="none">
-                <a:solidFill>
-                  <a:schemeClr val="dk1"/>
-                </a:solidFill>
-                <a:latin typeface="Arial"/>
-                <a:ea typeface="Arial"/>
-                <a:cs typeface="Arial"/>
-                <a:sym typeface="Arial"/>
-              </a:defRPr>
-            </a:lvl4pPr>
-            <a:lvl5pPr marL="3047924" marR="0" lvl="4" indent="-389457" algn="l" rtl="0">
-              <a:spcBef>
-                <a:spcPts val="267"/>
-              </a:spcBef>
-              <a:spcAft>
-                <a:spcPts val="0"/>
-              </a:spcAft>
-              <a:buClr>
-                <a:schemeClr val="dk1"/>
-              </a:buClr>
-              <a:buSzPts val="1000"/>
-              <a:buFont typeface="Arial"/>
-              <a:buChar char="»"/>
-              <a:defRPr sz="1333" b="0" i="0" u="none" strike="noStrike" cap="none">
-                <a:solidFill>
-                  <a:schemeClr val="dk1"/>
-                </a:solidFill>
-                <a:latin typeface="Arial"/>
-                <a:ea typeface="Arial"/>
-                <a:cs typeface="Arial"/>
-                <a:sym typeface="Arial"/>
-              </a:defRPr>
-            </a:lvl5pPr>
-            <a:lvl6pPr marL="3657509" marR="0" lvl="5" indent="-474121" algn="l" rtl="0">
-              <a:spcBef>
-                <a:spcPts val="533"/>
-              </a:spcBef>
-              <a:spcAft>
-                <a:spcPts val="0"/>
-              </a:spcAft>
-              <a:buClr>
-                <a:schemeClr val="dk1"/>
-              </a:buClr>
-              <a:buSzPts val="2000"/>
-              <a:buFont typeface="Arial"/>
-              <a:buChar char="•"/>
-              <a:defRPr sz="2667" b="0" i="0" u="none" strike="noStrike" cap="none">
-                <a:solidFill>
-                  <a:schemeClr val="dk1"/>
-                </a:solidFill>
-                <a:latin typeface="Calibri"/>
-                <a:ea typeface="Calibri"/>
-                <a:cs typeface="Calibri"/>
-                <a:sym typeface="Calibri"/>
-              </a:defRPr>
-            </a:lvl6pPr>
-            <a:lvl7pPr marL="4267093" marR="0" lvl="6" indent="-474121" algn="l" rtl="0">
-              <a:spcBef>
-                <a:spcPts val="533"/>
-              </a:spcBef>
-              <a:spcAft>
-                <a:spcPts val="0"/>
-              </a:spcAft>
-              <a:buClr>
-                <a:schemeClr val="dk1"/>
-              </a:buClr>
-              <a:buSzPts val="2000"/>
-              <a:buFont typeface="Arial"/>
-              <a:buChar char="•"/>
-              <a:defRPr sz="2667" b="0" i="0" u="none" strike="noStrike" cap="none">
-                <a:solidFill>
-                  <a:schemeClr val="dk1"/>
-                </a:solidFill>
-                <a:latin typeface="Calibri"/>
-                <a:ea typeface="Calibri"/>
-                <a:cs typeface="Calibri"/>
-                <a:sym typeface="Calibri"/>
-              </a:defRPr>
-            </a:lvl7pPr>
-            <a:lvl8pPr marL="4876678" marR="0" lvl="7" indent="-474121" algn="l" rtl="0">
-              <a:spcBef>
-                <a:spcPts val="533"/>
-              </a:spcBef>
-              <a:spcAft>
-                <a:spcPts val="0"/>
-              </a:spcAft>
-              <a:buClr>
-                <a:schemeClr val="dk1"/>
-              </a:buClr>
-              <a:buSzPts val="2000"/>
-              <a:buFont typeface="Arial"/>
-              <a:buChar char="•"/>
-              <a:defRPr sz="2667" b="0" i="0" u="none" strike="noStrike" cap="none">
-                <a:solidFill>
-                  <a:schemeClr val="dk1"/>
-                </a:solidFill>
-                <a:latin typeface="Calibri"/>
-                <a:ea typeface="Calibri"/>
-                <a:cs typeface="Calibri"/>
-                <a:sym typeface="Calibri"/>
-              </a:defRPr>
-            </a:lvl8pPr>
-            <a:lvl9pPr marL="5486263" marR="0" lvl="8" indent="-474121" algn="l" rtl="0">
-              <a:spcBef>
-                <a:spcPts val="533"/>
-              </a:spcBef>
-              <a:spcAft>
-                <a:spcPts val="0"/>
-              </a:spcAft>
-              <a:buClr>
-                <a:schemeClr val="dk1"/>
-              </a:buClr>
-              <a:buSzPts val="2000"/>
-              <a:buFont typeface="Arial"/>
-              <a:buChar char="•"/>
-              <a:defRPr sz="2667" b="0" i="0" u="none" strike="noStrike" cap="none">
-                <a:solidFill>
-                  <a:schemeClr val="dk1"/>
-                </a:solidFill>
-                <a:latin typeface="Calibri"/>
-                <a:ea typeface="Calibri"/>
-                <a:cs typeface="Calibri"/>
-                <a:sym typeface="Calibri"/>
-              </a:defRPr>
-            </a:lvl9pPr>
-          </a:lstStyle>
-          <a:p>
-            <a:endParaRPr/>
-          </a:p>
-        </p:txBody>
-      </p:sp>
-      <p:sp>
-        <p:nvSpPr>
-          <p:cNvPr id="72" name="Google Shape;72;p10"/>
-          <p:cNvSpPr txBox="1">
-            <a:spLocks noGrp="1"/>
-          </p:cNvSpPr>
-          <p:nvPr>
-            <p:ph type="dt" idx="10"/>
-          </p:nvPr>
-        </p:nvSpPr>
-        <p:spPr>
-          <a:xfrm>
-            <a:off x="609600" y="6356351"/>
-            <a:ext cx="2844800" cy="365200"/>
-          </a:xfrm>
-          <a:prstGeom prst="rect">
-            <a:avLst/>
-          </a:prstGeom>
-          <a:noFill/>
-          <a:ln>
-            <a:noFill/>
-          </a:ln>
-        </p:spPr>
-        <p:txBody>
-          <a:bodyPr spcFirstLastPara="1" wrap="square" lIns="91425" tIns="91425" rIns="91425" bIns="91425" anchor="ctr" anchorCtr="0">
-            <a:noAutofit/>
-          </a:bodyPr>
-          <a:lstStyle>
-            <a:lvl1pPr marL="0" marR="0" lvl="0" indent="0" algn="l" rtl="0">
-              <a:spcBef>
-                <a:spcPts val="0"/>
-              </a:spcBef>
-              <a:spcAft>
-                <a:spcPts val="0"/>
-              </a:spcAft>
-              <a:buSzPts val="1400"/>
-              <a:buNone/>
-              <a:defRPr sz="1600">
-                <a:solidFill>
-                  <a:srgbClr val="888888"/>
-                </a:solidFill>
-                <a:latin typeface="Arial"/>
-                <a:ea typeface="Arial"/>
-                <a:cs typeface="Arial"/>
-                <a:sym typeface="Arial"/>
-              </a:defRPr>
-            </a:lvl1pPr>
-            <a:lvl2pPr marL="609585" marR="0" lvl="1" indent="0" algn="l" rtl="0">
-              <a:spcBef>
-                <a:spcPts val="0"/>
-              </a:spcBef>
-              <a:spcAft>
-                <a:spcPts val="0"/>
-              </a:spcAft>
-              <a:buSzPts val="1400"/>
-              <a:buNone/>
-              <a:defRPr sz="2400" b="0" i="0" u="none" strike="noStrike" cap="none">
-                <a:solidFill>
-                  <a:schemeClr val="dk1"/>
-                </a:solidFill>
-                <a:latin typeface="Calibri"/>
-                <a:ea typeface="Calibri"/>
-                <a:cs typeface="Calibri"/>
-                <a:sym typeface="Calibri"/>
-              </a:defRPr>
-            </a:lvl2pPr>
-            <a:lvl3pPr marL="1219170" marR="0" lvl="2" indent="0" algn="l" rtl="0">
-              <a:spcBef>
-                <a:spcPts val="0"/>
-              </a:spcBef>
-              <a:spcAft>
-                <a:spcPts val="0"/>
-              </a:spcAft>
-              <a:buSzPts val="1400"/>
-              <a:buNone/>
-              <a:defRPr sz="2400" b="0" i="0" u="none" strike="noStrike" cap="none">
-                <a:solidFill>
-                  <a:schemeClr val="dk1"/>
-                </a:solidFill>
-                <a:latin typeface="Calibri"/>
-                <a:ea typeface="Calibri"/>
-                <a:cs typeface="Calibri"/>
-                <a:sym typeface="Calibri"/>
-              </a:defRPr>
-            </a:lvl3pPr>
-            <a:lvl4pPr marL="1828754" marR="0" lvl="3" indent="0" algn="l" rtl="0">
-              <a:spcBef>
-                <a:spcPts val="0"/>
-              </a:spcBef>
-              <a:spcAft>
-                <a:spcPts val="0"/>
-              </a:spcAft>
-              <a:buSzPts val="1400"/>
-              <a:buNone/>
-              <a:defRPr sz="2400" b="0" i="0" u="none" strike="noStrike" cap="none">
-                <a:solidFill>
-                  <a:schemeClr val="dk1"/>
-                </a:solidFill>
-                <a:latin typeface="Calibri"/>
-                <a:ea typeface="Calibri"/>
-                <a:cs typeface="Calibri"/>
-                <a:sym typeface="Calibri"/>
-              </a:defRPr>
-            </a:lvl4pPr>
-            <a:lvl5pPr marL="2438339" marR="0" lvl="4" indent="0" algn="l" rtl="0">
-              <a:spcBef>
-                <a:spcPts val="0"/>
-              </a:spcBef>
-              <a:spcAft>
-                <a:spcPts val="0"/>
-              </a:spcAft>
-              <a:buSzPts val="1400"/>
-              <a:buNone/>
-              <a:defRPr sz="2400" b="0" i="0" u="none" strike="noStrike" cap="none">
-                <a:solidFill>
-                  <a:schemeClr val="dk1"/>
-                </a:solidFill>
-                <a:latin typeface="Calibri"/>
-                <a:ea typeface="Calibri"/>
-                <a:cs typeface="Calibri"/>
-                <a:sym typeface="Calibri"/>
-              </a:defRPr>
-            </a:lvl5pPr>
-            <a:lvl6pPr marL="3047924" marR="0" lvl="5" indent="0" algn="l" rtl="0">
-              <a:spcBef>
-                <a:spcPts val="0"/>
-              </a:spcBef>
-              <a:spcAft>
-                <a:spcPts val="0"/>
-              </a:spcAft>
-              <a:buSzPts val="1400"/>
-              <a:buNone/>
-              <a:defRPr sz="2400" b="0" i="0" u="none" strike="noStrike" cap="none">
-                <a:solidFill>
-                  <a:schemeClr val="dk1"/>
-                </a:solidFill>
-                <a:latin typeface="Calibri"/>
-                <a:ea typeface="Calibri"/>
-                <a:cs typeface="Calibri"/>
-                <a:sym typeface="Calibri"/>
-              </a:defRPr>
-            </a:lvl6pPr>
-            <a:lvl7pPr marL="3657509" marR="0" lvl="6" indent="0" algn="l" rtl="0">
-              <a:spcBef>
-                <a:spcPts val="0"/>
-              </a:spcBef>
-              <a:spcAft>
-                <a:spcPts val="0"/>
-              </a:spcAft>
-              <a:buSzPts val="1400"/>
-              <a:buNone/>
-              <a:defRPr sz="2400" b="0" i="0" u="none" strike="noStrike" cap="none">
-                <a:solidFill>
-                  <a:schemeClr val="dk1"/>
-                </a:solidFill>
-                <a:latin typeface="Calibri"/>
-                <a:ea typeface="Calibri"/>
-                <a:cs typeface="Calibri"/>
-                <a:sym typeface="Calibri"/>
-              </a:defRPr>
-            </a:lvl7pPr>
-            <a:lvl8pPr marL="4267093" marR="0" lvl="7" indent="0" algn="l" rtl="0">
-              <a:spcBef>
-                <a:spcPts val="0"/>
-              </a:spcBef>
-              <a:spcAft>
-                <a:spcPts val="0"/>
-              </a:spcAft>
-              <a:buSzPts val="1400"/>
-              <a:buNone/>
-              <a:defRPr sz="2400" b="0" i="0" u="none" strike="noStrike" cap="none">
-                <a:solidFill>
-                  <a:schemeClr val="dk1"/>
-                </a:solidFill>
-                <a:latin typeface="Calibri"/>
-                <a:ea typeface="Calibri"/>
-                <a:cs typeface="Calibri"/>
-                <a:sym typeface="Calibri"/>
-              </a:defRPr>
-            </a:lvl8pPr>
-            <a:lvl9pPr marL="4876678" marR="0" lvl="8" indent="0" algn="l" rtl="0">
-              <a:spcBef>
-                <a:spcPts val="0"/>
-              </a:spcBef>
-              <a:spcAft>
-                <a:spcPts val="0"/>
-              </a:spcAft>
-              <a:buSzPts val="1400"/>
-              <a:buNone/>
-              <a:defRPr sz="2400" b="0" i="0" u="none" strike="noStrike" cap="none">
-                <a:solidFill>
-                  <a:schemeClr val="dk1"/>
-                </a:solidFill>
-                <a:latin typeface="Calibri"/>
-                <a:ea typeface="Calibri"/>
-                <a:cs typeface="Calibri"/>
-                <a:sym typeface="Calibri"/>
-              </a:defRPr>
-            </a:lvl9pPr>
-          </a:lstStyle>
-          <a:p>
-            <a:endParaRPr/>
-          </a:p>
-        </p:txBody>
-      </p:sp>
-      <p:sp>
-        <p:nvSpPr>
-          <p:cNvPr id="73" name="Google Shape;73;p10"/>
-          <p:cNvSpPr txBox="1">
-            <a:spLocks noGrp="1"/>
-          </p:cNvSpPr>
-          <p:nvPr>
-            <p:ph type="ftr" idx="11"/>
-          </p:nvPr>
-        </p:nvSpPr>
-        <p:spPr>
-          <a:xfrm>
-            <a:off x="4165600" y="6356351"/>
-            <a:ext cx="3860800" cy="365200"/>
-          </a:xfrm>
-          <a:prstGeom prst="rect">
-            <a:avLst/>
-          </a:prstGeom>
-          <a:noFill/>
-          <a:ln>
-            <a:noFill/>
-          </a:ln>
-        </p:spPr>
-        <p:txBody>
-          <a:bodyPr spcFirstLastPara="1" wrap="square" lIns="91425" tIns="91425" rIns="91425" bIns="91425" anchor="ctr" anchorCtr="0">
-            <a:noAutofit/>
-          </a:bodyPr>
-          <a:lstStyle>
-            <a:lvl1pPr marL="0" marR="0" lvl="0" indent="0" algn="ctr" rtl="0">
-              <a:spcBef>
-                <a:spcPts val="0"/>
-              </a:spcBef>
-              <a:spcAft>
-                <a:spcPts val="0"/>
-              </a:spcAft>
-              <a:buSzPts val="1400"/>
-              <a:buNone/>
-              <a:defRPr sz="1600">
-                <a:solidFill>
-                  <a:srgbClr val="888888"/>
-                </a:solidFill>
-                <a:latin typeface="Arial"/>
-                <a:ea typeface="Arial"/>
-                <a:cs typeface="Arial"/>
-                <a:sym typeface="Arial"/>
-              </a:defRPr>
-            </a:lvl1pPr>
-            <a:lvl2pPr marL="609585" marR="0" lvl="1" indent="0" algn="l" rtl="0">
-              <a:spcBef>
-                <a:spcPts val="0"/>
-              </a:spcBef>
-              <a:spcAft>
-                <a:spcPts val="0"/>
-              </a:spcAft>
-              <a:buSzPts val="1400"/>
-              <a:buNone/>
-              <a:defRPr sz="2400" b="0" i="0" u="none" strike="noStrike" cap="none">
-                <a:solidFill>
-                  <a:schemeClr val="dk1"/>
-                </a:solidFill>
-                <a:latin typeface="Calibri"/>
-                <a:ea typeface="Calibri"/>
-                <a:cs typeface="Calibri"/>
-                <a:sym typeface="Calibri"/>
-              </a:defRPr>
-            </a:lvl2pPr>
-            <a:lvl3pPr marL="1219170" marR="0" lvl="2" indent="0" algn="l" rtl="0">
-              <a:spcBef>
-                <a:spcPts val="0"/>
-              </a:spcBef>
-              <a:spcAft>
-                <a:spcPts val="0"/>
-              </a:spcAft>
-              <a:buSzPts val="1400"/>
-              <a:buNone/>
-              <a:defRPr sz="2400" b="0" i="0" u="none" strike="noStrike" cap="none">
-                <a:solidFill>
-                  <a:schemeClr val="dk1"/>
-                </a:solidFill>
-                <a:latin typeface="Calibri"/>
-                <a:ea typeface="Calibri"/>
-                <a:cs typeface="Calibri"/>
-                <a:sym typeface="Calibri"/>
-              </a:defRPr>
-            </a:lvl3pPr>
-            <a:lvl4pPr marL="1828754" marR="0" lvl="3" indent="0" algn="l" rtl="0">
-              <a:spcBef>
-                <a:spcPts val="0"/>
-              </a:spcBef>
-              <a:spcAft>
-                <a:spcPts val="0"/>
-              </a:spcAft>
-              <a:buSzPts val="1400"/>
-              <a:buNone/>
-              <a:defRPr sz="2400" b="0" i="0" u="none" strike="noStrike" cap="none">
-                <a:solidFill>
-                  <a:schemeClr val="dk1"/>
-                </a:solidFill>
-                <a:latin typeface="Calibri"/>
-                <a:ea typeface="Calibri"/>
-                <a:cs typeface="Calibri"/>
-                <a:sym typeface="Calibri"/>
-              </a:defRPr>
-            </a:lvl4pPr>
-            <a:lvl5pPr marL="2438339" marR="0" lvl="4" indent="0" algn="l" rtl="0">
-              <a:spcBef>
-                <a:spcPts val="0"/>
-              </a:spcBef>
-              <a:spcAft>
-                <a:spcPts val="0"/>
-              </a:spcAft>
-              <a:buSzPts val="1400"/>
-              <a:buNone/>
-              <a:defRPr sz="2400" b="0" i="0" u="none" strike="noStrike" cap="none">
-                <a:solidFill>
-                  <a:schemeClr val="dk1"/>
-                </a:solidFill>
-                <a:latin typeface="Calibri"/>
-                <a:ea typeface="Calibri"/>
-                <a:cs typeface="Calibri"/>
-                <a:sym typeface="Calibri"/>
-              </a:defRPr>
-            </a:lvl5pPr>
-            <a:lvl6pPr marL="3047924" marR="0" lvl="5" indent="0" algn="l" rtl="0">
-              <a:spcBef>
-                <a:spcPts val="0"/>
-              </a:spcBef>
-              <a:spcAft>
-                <a:spcPts val="0"/>
-              </a:spcAft>
-              <a:buSzPts val="1400"/>
-              <a:buNone/>
-              <a:defRPr sz="2400" b="0" i="0" u="none" strike="noStrike" cap="none">
-                <a:solidFill>
-                  <a:schemeClr val="dk1"/>
-                </a:solidFill>
-                <a:latin typeface="Calibri"/>
-                <a:ea typeface="Calibri"/>
-                <a:cs typeface="Calibri"/>
-                <a:sym typeface="Calibri"/>
-              </a:defRPr>
-            </a:lvl6pPr>
-            <a:lvl7pPr marL="3657509" marR="0" lvl="6" indent="0" algn="l" rtl="0">
-              <a:spcBef>
-                <a:spcPts val="0"/>
-              </a:spcBef>
-              <a:spcAft>
-                <a:spcPts val="0"/>
-              </a:spcAft>
-              <a:buSzPts val="1400"/>
-              <a:buNone/>
-              <a:defRPr sz="2400" b="0" i="0" u="none" strike="noStrike" cap="none">
-                <a:solidFill>
-                  <a:schemeClr val="dk1"/>
-                </a:solidFill>
-                <a:latin typeface="Calibri"/>
-                <a:ea typeface="Calibri"/>
-                <a:cs typeface="Calibri"/>
-                <a:sym typeface="Calibri"/>
-              </a:defRPr>
-            </a:lvl7pPr>
-            <a:lvl8pPr marL="4267093" marR="0" lvl="7" indent="0" algn="l" rtl="0">
-              <a:spcBef>
-                <a:spcPts val="0"/>
-              </a:spcBef>
-              <a:spcAft>
-                <a:spcPts val="0"/>
-              </a:spcAft>
-              <a:buSzPts val="1400"/>
-              <a:buNone/>
-              <a:defRPr sz="2400" b="0" i="0" u="none" strike="noStrike" cap="none">
-                <a:solidFill>
-                  <a:schemeClr val="dk1"/>
-                </a:solidFill>
-                <a:latin typeface="Calibri"/>
-                <a:ea typeface="Calibri"/>
-                <a:cs typeface="Calibri"/>
-                <a:sym typeface="Calibri"/>
-              </a:defRPr>
-            </a:lvl8pPr>
-            <a:lvl9pPr marL="4876678" marR="0" lvl="8" indent="0" algn="l" rtl="0">
-              <a:spcBef>
-                <a:spcPts val="0"/>
-              </a:spcBef>
-              <a:spcAft>
-                <a:spcPts val="0"/>
-              </a:spcAft>
-              <a:buSzPts val="1400"/>
-              <a:buNone/>
-              <a:defRPr sz="2400" b="0" i="0" u="none" strike="noStrike" cap="none">
-                <a:solidFill>
-                  <a:schemeClr val="dk1"/>
-                </a:solidFill>
-                <a:latin typeface="Calibri"/>
-                <a:ea typeface="Calibri"/>
-                <a:cs typeface="Calibri"/>
-                <a:sym typeface="Calibri"/>
-              </a:defRPr>
-            </a:lvl9pPr>
-          </a:lstStyle>
-          <a:p>
-            <a:endParaRPr/>
-          </a:p>
-        </p:txBody>
-      </p:sp>
-      <p:sp>
-        <p:nvSpPr>
-          <p:cNvPr id="74" name="Google Shape;74;p10"/>
-          <p:cNvSpPr txBox="1">
-            <a:spLocks noGrp="1"/>
-          </p:cNvSpPr>
-          <p:nvPr>
-            <p:ph type="sldNum" idx="12"/>
-          </p:nvPr>
-        </p:nvSpPr>
-        <p:spPr>
-          <a:xfrm>
-            <a:off x="9347200" y="92011"/>
-            <a:ext cx="2844800" cy="612400"/>
-          </a:xfrm>
-          <a:prstGeom prst="rect">
-            <a:avLst/>
-          </a:prstGeom>
-          <a:noFill/>
-          <a:ln>
-            <a:noFill/>
-          </a:ln>
-        </p:spPr>
-        <p:txBody>
-          <a:bodyPr spcFirstLastPara="1" wrap="square" lIns="91425" tIns="45700" rIns="91425" bIns="45700" anchor="ctr" anchorCtr="0">
-            <a:noAutofit/>
-          </a:bodyPr>
-          <a:lstStyle>
-            <a:lvl1pPr marL="0" marR="0" lvl="0" indent="0" algn="r" rtl="0">
-              <a:spcBef>
-                <a:spcPts val="0"/>
-              </a:spcBef>
-              <a:spcAft>
-                <a:spcPts val="0"/>
-              </a:spcAft>
-              <a:buNone/>
-              <a:defRPr sz="1600">
-                <a:solidFill>
-                  <a:srgbClr val="FFFFFF"/>
-                </a:solidFill>
-              </a:defRPr>
-            </a:lvl1pPr>
-            <a:lvl2pPr marL="0" marR="0" lvl="1" indent="0" algn="r" rtl="0">
-              <a:spcBef>
-                <a:spcPts val="0"/>
-              </a:spcBef>
-              <a:spcAft>
-                <a:spcPts val="0"/>
-              </a:spcAft>
-              <a:buNone/>
-              <a:defRPr sz="1600">
-                <a:solidFill>
-                  <a:srgbClr val="FFFFFF"/>
-                </a:solidFill>
-              </a:defRPr>
-            </a:lvl2pPr>
-            <a:lvl3pPr marL="0" marR="0" lvl="2" indent="0" algn="r" rtl="0">
-              <a:spcBef>
-                <a:spcPts val="0"/>
-              </a:spcBef>
-              <a:spcAft>
-                <a:spcPts val="0"/>
-              </a:spcAft>
-              <a:buNone/>
-              <a:defRPr sz="1600">
-                <a:solidFill>
-                  <a:srgbClr val="FFFFFF"/>
-                </a:solidFill>
-              </a:defRPr>
-            </a:lvl3pPr>
-            <a:lvl4pPr marL="0" marR="0" lvl="3" indent="0" algn="r" rtl="0">
-              <a:spcBef>
-                <a:spcPts val="0"/>
-              </a:spcBef>
-              <a:spcAft>
-                <a:spcPts val="0"/>
-              </a:spcAft>
-              <a:buNone/>
-              <a:defRPr sz="1600">
-                <a:solidFill>
-                  <a:srgbClr val="FFFFFF"/>
-                </a:solidFill>
-              </a:defRPr>
-            </a:lvl4pPr>
-            <a:lvl5pPr marL="0" marR="0" lvl="4" indent="0" algn="r" rtl="0">
-              <a:spcBef>
-                <a:spcPts val="0"/>
-              </a:spcBef>
-              <a:spcAft>
-                <a:spcPts val="0"/>
-              </a:spcAft>
-              <a:buNone/>
-              <a:defRPr sz="1600">
-                <a:solidFill>
-                  <a:srgbClr val="FFFFFF"/>
-                </a:solidFill>
-              </a:defRPr>
-            </a:lvl5pPr>
-            <a:lvl6pPr marL="0" marR="0" lvl="5" indent="0" algn="r" rtl="0">
-              <a:spcBef>
-                <a:spcPts val="0"/>
-              </a:spcBef>
-              <a:spcAft>
-                <a:spcPts val="0"/>
-              </a:spcAft>
-              <a:buNone/>
-              <a:defRPr sz="1600">
-                <a:solidFill>
-                  <a:srgbClr val="FFFFFF"/>
-                </a:solidFill>
-              </a:defRPr>
-            </a:lvl6pPr>
-            <a:lvl7pPr marL="0" marR="0" lvl="6" indent="0" algn="r" rtl="0">
-              <a:spcBef>
-                <a:spcPts val="0"/>
-              </a:spcBef>
-              <a:spcAft>
-                <a:spcPts val="0"/>
-              </a:spcAft>
-              <a:buNone/>
-              <a:defRPr sz="1600">
-                <a:solidFill>
-                  <a:srgbClr val="FFFFFF"/>
-                </a:solidFill>
-              </a:defRPr>
-            </a:lvl7pPr>
-            <a:lvl8pPr marL="0" marR="0" lvl="7" indent="0" algn="r" rtl="0">
-              <a:spcBef>
-                <a:spcPts val="0"/>
-              </a:spcBef>
-              <a:spcAft>
-                <a:spcPts val="0"/>
-              </a:spcAft>
-              <a:buNone/>
-              <a:defRPr sz="1600">
-                <a:solidFill>
-                  <a:srgbClr val="FFFFFF"/>
-                </a:solidFill>
-              </a:defRPr>
-            </a:lvl8pPr>
-            <a:lvl9pPr marL="0" marR="0" lvl="8" indent="0" algn="r" rtl="0">
-              <a:spcBef>
-                <a:spcPts val="0"/>
-              </a:spcBef>
-              <a:spcAft>
-                <a:spcPts val="0"/>
-              </a:spcAft>
-              <a:buNone/>
-              <a:defRPr sz="1600">
-                <a:solidFill>
-                  <a:srgbClr val="FFFFFF"/>
-                </a:solidFill>
-              </a:defRPr>
-            </a:lvl9pPr>
-          </a:lstStyle>
-          <a:p>
-            <a:fld id="{00000000-1234-1234-1234-123412341234}" type="slidenum">
-              <a:rPr lang="en" smtClean="0"/>
-              <a:pPr/>
-              <a:t>‹#›</a:t>
-            </a:fld>
-            <a:endParaRPr lang="en"/>
-          </a:p>
-        </p:txBody>
-      </p:sp>
-    </p:spTree>
-    <p:extLst>
-      <p:ext uri="{BB962C8B-B14F-4D97-AF65-F5344CB8AC3E}">
-        <p14:creationId xmlns:p14="http://schemas.microsoft.com/office/powerpoint/2010/main" val="3058462547"/>
-      </p:ext>
-    </p:extLst>
-  </p:cSld>
-  <p:clrMapOvr>
-    <a:masterClrMapping/>
-  </p:clrMapOvr>
-</p:sldLayout>
-</file>
-
 <file path=ppt/slideMasters/slideMaster1.xml><?xml version="1.0" encoding="utf-8"?>
 <p:sldMaster xmlns:a="http://schemas.openxmlformats.org/drawingml/2006/main" xmlns:r="http://schemas.openxmlformats.org/officeDocument/2006/relationships" xmlns:p="http://schemas.openxmlformats.org/presentationml/2006/main">
   <p:cSld>
@@ -9922,7 +8758,7 @@
           <p:nvPr userDrawn="1"/>
         </p:nvPicPr>
         <p:blipFill>
-          <a:blip r:embed="rId11"/>
+          <a:blip r:embed="rId10"/>
           <a:stretch>
             <a:fillRect/>
           </a:stretch>
@@ -9952,7 +8788,7 @@
           <p:nvPr userDrawn="1"/>
         </p:nvPicPr>
         <p:blipFill>
-          <a:blip r:embed="rId12"/>
+          <a:blip r:embed="rId11"/>
           <a:stretch>
             <a:fillRect/>
           </a:stretch>
@@ -9984,7 +8820,6 @@
     <p:sldLayoutId id="2147483656" r:id="rId6"/>
     <p:sldLayoutId id="2147483662" r:id="rId7"/>
     <p:sldLayoutId id="2147483661" r:id="rId8"/>
-    <p:sldLayoutId id="2147483667" r:id="rId9"/>
   </p:sldLayoutIdLst>
   <p:txStyles>
     <p:titleStyle>
@@ -21801,7 +20636,7 @@
             </a:r>
             <a:r>
               <a:rPr lang="en-US" sz="2000" dirty="0"/>
-              <a:t>- long time to converge , computationally expensive.</a:t>
+              <a:t>- long time to converge, computationally expensive.</a:t>
             </a:r>
           </a:p>
           <a:p>
@@ -22518,7 +21353,7 @@
         <p:spPr>
           <a:xfrm>
             <a:off x="521776" y="1382233"/>
-            <a:ext cx="11229570" cy="1826920"/>
+            <a:ext cx="11229570" cy="895901"/>
           </a:xfrm>
           <a:prstGeom prst="rect">
             <a:avLst/>
@@ -23246,7 +22081,19 @@
                   <a:srgbClr val="292929"/>
                 </a:solidFill>
               </a:rPr>
-              <a:t>most commonly used rates are : 0.001, 0.003, 0.01, 0.03, 0.1, 0.3.</a:t>
+              <a:t>most commonly used rates, </a:t>
+            </a:r>
+            <a:r>
+              <a:rPr lang="el-GR" sz="1800" b="1" dirty="0"/>
+              <a:t>α</a:t>
+            </a:r>
+            <a:r>
+              <a:rPr lang="en-US" sz="1800" b="1" dirty="0">
+                <a:solidFill>
+                  <a:srgbClr val="292929"/>
+                </a:solidFill>
+              </a:rPr>
+              <a:t> : 0.001, 0.003, 0.01, 0.03, 0.1, 0.3.</a:t>
             </a:r>
             <a:endParaRPr lang="en-US" sz="1800" b="1" dirty="0"/>
           </a:p>
@@ -23432,15 +22279,7 @@
           <a:p>
             <a:r>
               <a:rPr lang="en-US" sz="2000" dirty="0"/>
-              <a:t>3. scale the data if it’s </a:t>
-            </a:r>
-            <a:r>
-              <a:rPr lang="en-US" sz="2000"/>
-              <a:t>on very </a:t>
-            </a:r>
-            <a:r>
-              <a:rPr lang="en-US" sz="2000" dirty="0"/>
-              <a:t>different scales</a:t>
+              <a:t>3. Scale the data if it’s on very different scales</a:t>
             </a:r>
           </a:p>
           <a:p>
@@ -24874,8 +23713,8 @@
         </p:nvSpPr>
         <p:spPr>
           <a:xfrm>
-            <a:off x="603998" y="3209153"/>
-            <a:ext cx="7124374" cy="3170099"/>
+            <a:off x="675718" y="3200188"/>
+            <a:ext cx="7124374" cy="2923877"/>
           </a:xfrm>
           <a:prstGeom prst="rect">
             <a:avLst/>
@@ -24946,15 +23785,22 @@
             <a:endParaRPr lang="en-US" sz="2000" dirty="0"/>
           </a:p>
           <a:p>
-            <a:endParaRPr lang="en-US" sz="2000" dirty="0"/>
-          </a:p>
-          <a:p>
-            <a:endParaRPr lang="en-US" sz="2000" dirty="0"/>
-          </a:p>
-          <a:p>
-            <a:endParaRPr lang="en-US" sz="2000" dirty="0"/>
-          </a:p>
-          <a:p>
+            <a:r>
+              <a:rPr lang="en-US" sz="1600" dirty="0"/>
+              <a:t>Weight:</a:t>
+            </a:r>
+          </a:p>
+          <a:p>
+            <a:endParaRPr lang="en-US" sz="1600" dirty="0"/>
+          </a:p>
+          <a:p>
+            <a:endParaRPr lang="en-US" sz="1600" dirty="0"/>
+          </a:p>
+          <a:p>
+            <a:r>
+              <a:rPr lang="en-US" sz="1600" dirty="0"/>
+              <a:t>Bias:</a:t>
+            </a:r>
             <a:endParaRPr lang="en-US" sz="2000" dirty="0"/>
           </a:p>
         </p:txBody>
@@ -24973,7 +23819,7 @@
         </p:nvGrpSpPr>
         <p:grpSpPr>
           <a:xfrm>
-            <a:off x="7847048" y="3540982"/>
+            <a:off x="8404825" y="3597793"/>
             <a:ext cx="2875232" cy="1934785"/>
             <a:chOff x="1170676" y="3533659"/>
             <a:chExt cx="4114800" cy="2721727"/>
@@ -25598,7 +24444,7 @@
         </p:blipFill>
         <p:spPr bwMode="auto">
           <a:xfrm>
-            <a:off x="995875" y="4914830"/>
+            <a:off x="1554924" y="4889133"/>
             <a:ext cx="1945309" cy="1254539"/>
           </a:xfrm>
           <a:prstGeom prst="rect">
@@ -25676,9 +24522,9 @@
           <p:nvPr/>
         </p:nvCxnSpPr>
         <p:spPr>
-          <a:xfrm flipV="1">
-            <a:off x="3259406" y="5464666"/>
-            <a:ext cx="1564385" cy="11101"/>
+          <a:xfrm>
+            <a:off x="3720353" y="5429408"/>
+            <a:ext cx="1142670" cy="0"/>
           </a:xfrm>
           <a:prstGeom prst="straightConnector1">
             <a:avLst/>
@@ -26105,14 +24951,14 @@
           <a:lstStyle/>
           <a:p>
             <a:r>
-              <a:rPr lang="en-US" sz="4000" b="1" dirty="0">
+              <a:rPr lang="en-US" sz="3200" b="1" dirty="0">
                 <a:solidFill>
                   <a:srgbClr val="E46102"/>
                 </a:solidFill>
               </a:rPr>
-              <a:t>Computing Cost Function for ANN</a:t>
-            </a:r>
-            <a:endParaRPr sz="4000" b="1" dirty="0">
+              <a:t>Algorithm to Compute Cost Function for ANN</a:t>
+            </a:r>
+            <a:endParaRPr sz="3200" b="1" dirty="0">
               <a:solidFill>
                 <a:srgbClr val="E46102"/>
               </a:solidFill>
@@ -28241,7 +27087,7 @@
         </p:nvSpPr>
         <p:spPr>
           <a:xfrm>
-            <a:off x="717173" y="696913"/>
+            <a:off x="818773" y="2690813"/>
             <a:ext cx="10972800" cy="506789"/>
           </a:xfrm>
           <a:prstGeom prst="rect">
@@ -28260,7 +27106,7 @@
                   <a:srgbClr val="E46102"/>
                 </a:solidFill>
               </a:rPr>
-              <a:t>Training NN for reading pixels</a:t>
+              <a:t>Coding Exercise</a:t>
             </a:r>
             <a:endParaRPr sz="4000" b="1" dirty="0">
               <a:solidFill>
@@ -28270,162 +27116,10 @@
           </a:p>
         </p:txBody>
       </p:sp>
-      <p:sp>
-        <p:nvSpPr>
-          <p:cNvPr id="26" name="Google Shape;96;p14">
-            <a:extLst>
-              <a:ext uri="{FF2B5EF4-FFF2-40B4-BE49-F238E27FC236}">
-                <a16:creationId xmlns:a16="http://schemas.microsoft.com/office/drawing/2014/main" id="{C8719E65-8B84-484C-A697-628B5A7069D6}"/>
-              </a:ext>
-            </a:extLst>
-          </p:cNvPr>
-          <p:cNvSpPr txBox="1"/>
-          <p:nvPr/>
-        </p:nvSpPr>
-        <p:spPr>
-          <a:xfrm>
-            <a:off x="521777" y="1805233"/>
-            <a:ext cx="6996100" cy="4548540"/>
-          </a:xfrm>
-          <a:prstGeom prst="rect">
-            <a:avLst/>
-          </a:prstGeom>
-          <a:noFill/>
-          <a:ln>
-            <a:noFill/>
-          </a:ln>
-        </p:spPr>
-        <p:txBody>
-          <a:bodyPr spcFirstLastPara="1" wrap="square" lIns="121900" tIns="121900" rIns="121900" bIns="121900" anchor="t" anchorCtr="0">
-            <a:noAutofit/>
-          </a:bodyPr>
-          <a:lstStyle/>
-          <a:p>
-            <a:pPr marL="342900" indent="-342900">
-              <a:buFont typeface="Arial" panose="020B0604020202020204" pitchFamily="34" charset="0"/>
-              <a:buChar char="•"/>
-            </a:pPr>
-            <a:r>
-              <a:rPr lang="en-US" dirty="0">
-                <a:solidFill>
-                  <a:srgbClr val="292929"/>
-                </a:solidFill>
-              </a:rPr>
-              <a:t>feedforward network</a:t>
-            </a:r>
-          </a:p>
-          <a:p>
-            <a:pPr marL="342900" indent="-342900">
-              <a:buFont typeface="Arial" panose="020B0604020202020204" pitchFamily="34" charset="0"/>
-              <a:buChar char="•"/>
-            </a:pPr>
-            <a:r>
-              <a:rPr lang="en-US" dirty="0">
-                <a:solidFill>
-                  <a:srgbClr val="292929"/>
-                </a:solidFill>
-              </a:rPr>
-              <a:t>trained using Back- propagation </a:t>
-            </a:r>
-          </a:p>
-          <a:p>
-            <a:pPr marL="342900" indent="-342900">
-              <a:buFont typeface="Arial" panose="020B0604020202020204" pitchFamily="34" charset="0"/>
-              <a:buChar char="•"/>
-            </a:pPr>
-            <a:endParaRPr lang="en-US" dirty="0">
-              <a:solidFill>
-                <a:srgbClr val="292929"/>
-              </a:solidFill>
-            </a:endParaRPr>
-          </a:p>
-        </p:txBody>
-      </p:sp>
-      <p:graphicFrame>
-        <p:nvGraphicFramePr>
-          <p:cNvPr id="5" name="Object 2052">
-            <a:extLst>
-              <a:ext uri="{FF2B5EF4-FFF2-40B4-BE49-F238E27FC236}">
-                <a16:creationId xmlns:a16="http://schemas.microsoft.com/office/drawing/2014/main" id="{753E2E5C-83A4-4A9F-98F6-A5955393117C}"/>
-              </a:ext>
-            </a:extLst>
-          </p:cNvPr>
-          <p:cNvGraphicFramePr>
-            <a:graphicFrameLocks noChangeAspect="1"/>
-          </p:cNvGraphicFramePr>
-          <p:nvPr>
-            <p:extLst>
-              <p:ext uri="{D42A27DB-BD31-4B8C-83A1-F6EECF244321}">
-                <p14:modId xmlns:p14="http://schemas.microsoft.com/office/powerpoint/2010/main" val="845633667"/>
-              </p:ext>
-            </p:extLst>
-          </p:nvPr>
-        </p:nvGraphicFramePr>
-        <p:xfrm>
-          <a:off x="8182465" y="1669330"/>
-          <a:ext cx="3399165" cy="4019838"/>
-        </p:xfrm>
-        <a:graphic>
-          <a:graphicData uri="http://schemas.openxmlformats.org/presentationml/2006/ole">
-            <mc:AlternateContent xmlns:mc="http://schemas.openxmlformats.org/markup-compatibility/2006">
-              <mc:Choice xmlns:v="urn:schemas-microsoft-com:vml" Requires="v">
-                <p:oleObj r:id="rId3" imgW="5829300" imgH="6896100" progId="Word.Document.8">
-                  <p:embed/>
-                </p:oleObj>
-              </mc:Choice>
-              <mc:Fallback>
-                <p:oleObj r:id="rId3" imgW="5829300" imgH="6896100" progId="Word.Document.8">
-                  <p:embed/>
-                  <p:pic>
-                    <p:nvPicPr>
-                      <p:cNvPr id="151556" name="Object 2052">
-                        <a:extLst>
-                          <a:ext uri="{FF2B5EF4-FFF2-40B4-BE49-F238E27FC236}">
-                            <a16:creationId xmlns:a16="http://schemas.microsoft.com/office/drawing/2014/main" id="{A9805CBE-A44E-4C66-A5FD-EEC6C563A46C}"/>
-                          </a:ext>
-                        </a:extLst>
-                      </p:cNvPr>
-                      <p:cNvPicPr>
-                        <a:picLocks noChangeAspect="1" noChangeArrowheads="1"/>
-                      </p:cNvPicPr>
-                      <p:nvPr/>
-                    </p:nvPicPr>
-                    <p:blipFill>
-                      <a:blip r:embed="rId4">
-                        <a:extLst>
-                          <a:ext uri="{28A0092B-C50C-407E-A947-70E740481C1C}">
-                            <a14:useLocalDpi xmlns:a14="http://schemas.microsoft.com/office/drawing/2010/main" val="0"/>
-                          </a:ext>
-                        </a:extLst>
-                      </a:blip>
-                      <a:srcRect/>
-                      <a:stretch>
-                        <a:fillRect/>
-                      </a:stretch>
-                    </p:blipFill>
-                    <p:spPr bwMode="auto">
-                      <a:xfrm>
-                        <a:off x="8182465" y="1669330"/>
-                        <a:ext cx="3399165" cy="4019838"/>
-                      </a:xfrm>
-                      <a:prstGeom prst="rect">
-                        <a:avLst/>
-                      </a:prstGeom>
-                      <a:solidFill>
-                        <a:srgbClr val="FFFF00"/>
-                      </a:solidFill>
-                    </p:spPr>
-                  </p:pic>
-                </p:oleObj>
-              </mc:Fallback>
-            </mc:AlternateContent>
-          </a:graphicData>
-        </a:graphic>
-      </p:graphicFrame>
     </p:spTree>
     <p:extLst>
       <p:ext uri="{BB962C8B-B14F-4D97-AF65-F5344CB8AC3E}">
-        <p14:creationId xmlns:p14="http://schemas.microsoft.com/office/powerpoint/2010/main" val="1983669797"/>
+        <p14:creationId xmlns:p14="http://schemas.microsoft.com/office/powerpoint/2010/main" val="3138127062"/>
       </p:ext>
     </p:extLst>
   </p:cSld>
@@ -28454,77 +27148,6 @@
       </p:grpSpPr>
       <p:sp>
         <p:nvSpPr>
-          <p:cNvPr id="95" name="Google Shape;95;p14"/>
-          <p:cNvSpPr txBox="1">
-            <a:spLocks noGrp="1"/>
-          </p:cNvSpPr>
-          <p:nvPr>
-            <p:ph type="title" idx="4294967295"/>
-          </p:nvPr>
-        </p:nvSpPr>
-        <p:spPr>
-          <a:xfrm>
-            <a:off x="818773" y="2690813"/>
-            <a:ext cx="10972800" cy="506789"/>
-          </a:xfrm>
-          <a:prstGeom prst="rect">
-            <a:avLst/>
-          </a:prstGeom>
-        </p:spPr>
-        <p:txBody>
-          <a:bodyPr spcFirstLastPara="1" wrap="square" lIns="121900" tIns="121900" rIns="121900" bIns="121900" anchor="ctr" anchorCtr="0">
-            <a:noAutofit/>
-          </a:bodyPr>
-          <a:lstStyle/>
-          <a:p>
-            <a:r>
-              <a:rPr lang="en-US" sz="4000" b="1" dirty="0">
-                <a:solidFill>
-                  <a:srgbClr val="E46102"/>
-                </a:solidFill>
-              </a:rPr>
-              <a:t>Coding Exercise</a:t>
-            </a:r>
-            <a:endParaRPr sz="4000" b="1" dirty="0">
-              <a:solidFill>
-                <a:srgbClr val="E46102"/>
-              </a:solidFill>
-            </a:endParaRPr>
-          </a:p>
-        </p:txBody>
-      </p:sp>
-    </p:spTree>
-    <p:extLst>
-      <p:ext uri="{BB962C8B-B14F-4D97-AF65-F5344CB8AC3E}">
-        <p14:creationId xmlns:p14="http://schemas.microsoft.com/office/powerpoint/2010/main" val="3138127062"/>
-      </p:ext>
-    </p:extLst>
-  </p:cSld>
-  <p:clrMapOvr>
-    <a:masterClrMapping/>
-  </p:clrMapOvr>
-</p:sld>
-</file>
-
-<file path=ppt/slides/slide53.xml><?xml version="1.0" encoding="utf-8"?>
-<p:sld xmlns:a="http://schemas.openxmlformats.org/drawingml/2006/main" xmlns:r="http://schemas.openxmlformats.org/officeDocument/2006/relationships" xmlns:p="http://schemas.openxmlformats.org/presentationml/2006/main">
-  <p:cSld>
-    <p:spTree>
-      <p:nvGrpSpPr>
-        <p:cNvPr id="1" name="Shape 94"/>
-        <p:cNvGrpSpPr/>
-        <p:nvPr/>
-      </p:nvGrpSpPr>
-      <p:grpSpPr>
-        <a:xfrm>
-          <a:off x="0" y="0"/>
-          <a:ext cx="0" cy="0"/>
-          <a:chOff x="0" y="0"/>
-          <a:chExt cx="0" cy="0"/>
-        </a:xfrm>
-      </p:grpSpPr>
-      <p:sp>
-        <p:nvSpPr>
           <p:cNvPr id="96" name="Google Shape;96;p14"/>
           <p:cNvSpPr txBox="1"/>
           <p:nvPr/>
@@ -28567,18 +27190,7 @@
             </a:r>
             <a:r>
               <a:rPr lang="en-US" dirty="0"/>
-              <a:t>, Geoffrey Hinton, </a:t>
-            </a:r>
-          </a:p>
-          <a:p>
-            <a:pPr lvl="1"/>
-            <a:endParaRPr lang="en-US" dirty="0"/>
-          </a:p>
-          <a:p>
-            <a:pPr lvl="1"/>
-            <a:r>
-              <a:rPr lang="en-US" dirty="0"/>
-              <a:t>Coding exercise is from Kaggle.com</a:t>
+              <a:t>, Geoffrey Hinton.</a:t>
             </a:r>
           </a:p>
         </p:txBody>
@@ -28705,67 +27317,6 @@
       <p:bldP spid="96" grpId="0"/>
     </p:bldLst>
   </p:timing>
-</p:sld>
-</file>
-
-<file path=ppt/slides/slide54.xml><?xml version="1.0" encoding="utf-8"?>
-<p:sld xmlns:a="http://schemas.openxmlformats.org/drawingml/2006/main" xmlns:r="http://schemas.openxmlformats.org/officeDocument/2006/relationships" xmlns:p="http://schemas.openxmlformats.org/presentationml/2006/main">
-  <p:cSld>
-    <p:spTree>
-      <p:nvGrpSpPr>
-        <p:cNvPr id="1" name=""/>
-        <p:cNvGrpSpPr/>
-        <p:nvPr/>
-      </p:nvGrpSpPr>
-      <p:grpSpPr>
-        <a:xfrm>
-          <a:off x="0" y="0"/>
-          <a:ext cx="0" cy="0"/>
-          <a:chOff x="0" y="0"/>
-          <a:chExt cx="0" cy="0"/>
-        </a:xfrm>
-      </p:grpSpPr>
-      <p:sp>
-        <p:nvSpPr>
-          <p:cNvPr id="3" name="Text Placeholder 2">
-            <a:extLst>
-              <a:ext uri="{FF2B5EF4-FFF2-40B4-BE49-F238E27FC236}">
-                <a16:creationId xmlns:a16="http://schemas.microsoft.com/office/drawing/2014/main" id="{E56EF9D8-F9CF-4472-9C2F-EC46482A8261}"/>
-              </a:ext>
-            </a:extLst>
-          </p:cNvPr>
-          <p:cNvSpPr>
-            <a:spLocks noGrp="1"/>
-          </p:cNvSpPr>
-          <p:nvPr>
-            <p:ph type="body" idx="1"/>
-          </p:nvPr>
-        </p:nvSpPr>
-        <p:spPr/>
-        <p:txBody>
-          <a:bodyPr/>
-          <a:lstStyle/>
-          <a:p>
-            <a:pPr marL="101598" indent="0" algn="ctr">
-              <a:buNone/>
-            </a:pPr>
-            <a:r>
-              <a:rPr lang="en-US" b="1" dirty="0"/>
-              <a:t>Open Floor</a:t>
-            </a:r>
-          </a:p>
-        </p:txBody>
-      </p:sp>
-    </p:spTree>
-    <p:extLst>
-      <p:ext uri="{BB962C8B-B14F-4D97-AF65-F5344CB8AC3E}">
-        <p14:creationId xmlns:p14="http://schemas.microsoft.com/office/powerpoint/2010/main" val="1884791787"/>
-      </p:ext>
-    </p:extLst>
-  </p:cSld>
-  <p:clrMapOvr>
-    <a:masterClrMapping/>
-  </p:clrMapOvr>
 </p:sld>
 </file>
 

--- a/Syllabus/Lecture17/Lec17ANN.pptx
+++ b/Syllabus/Lecture17/Lec17ANN.pptx
@@ -337,7 +337,7 @@
           <a:p>
             <a:fld id="{DF9C6931-D0F6-AB40-9D7F-95567148A5C2}" type="datetimeFigureOut">
               <a:rPr lang="en-US" smtClean="0"/>
-              <a:t>10/31/22</a:t>
+              <a:t>11/16/22</a:t>
             </a:fld>
             <a:endParaRPr lang="en-US"/>
           </a:p>
@@ -541,7 +541,7 @@
           <a:p>
             <a:fld id="{736C18F2-6801-5147-A332-A6E1C7D69D18}" type="datetimeFigureOut">
               <a:rPr lang="en-US" smtClean="0"/>
-              <a:t>10/31/22</a:t>
+              <a:t>11/16/22</a:t>
             </a:fld>
             <a:endParaRPr lang="en-US"/>
           </a:p>
